--- a/Module_3/lecon-1/Act-3.1.1/La_cartographie des tests.pptx
+++ b/Module_3/lecon-1/Act-3.1.1/La_cartographie des tests.pptx
@@ -21933,10 +21933,10 @@
       </p:sp>
       <p:pic>
         <p:nvPicPr>
-          <p:cNvPr id="5" name="Image 4" descr="Une image contenant texte, capture d’écran, Police, Graphique&#10;&#10;Description générée automatiquement">
+          <p:cNvPr id="4" name="Image 3" descr="Une image contenant texte, capture d’écran, cercle, Police">
             <a:extLst>
               <a:ext uri="{FF2B5EF4-FFF2-40B4-BE49-F238E27FC236}">
-                <a16:creationId xmlns:a16="http://schemas.microsoft.com/office/drawing/2014/main" id="{D457851E-3B08-8989-9F21-EA1307E241C3}"/>
+                <a16:creationId xmlns:a16="http://schemas.microsoft.com/office/drawing/2014/main" id="{EED15A20-DE00-35F4-8661-0AE9C8AA4D0D}"/>
               </a:ext>
             </a:extLst>
           </p:cNvPr>
@@ -21959,8 +21959,8 @@
         </p:blipFill>
         <p:spPr>
           <a:xfrm>
-            <a:off x="934279" y="1679713"/>
-            <a:ext cx="9352722" cy="4949688"/>
+            <a:off x="805070" y="1973585"/>
+            <a:ext cx="10056487" cy="4023360"/>
           </a:xfrm>
           <a:prstGeom prst="rect">
             <a:avLst/>
